--- a/이클립스_웹개발 설치순서.pptx
+++ b/이클립스_웹개발 설치순서.pptx
@@ -270,7 +270,7 @@
           <a:p>
             <a:fld id="{41288005-3601-4C50-9326-6520DA424365}" type="datetimeFigureOut">
               <a:rPr lang="ko-KR" altLang="en-US" smtClean="0"/>
-              <a:t>2022-03-03</a:t>
+              <a:t>2022-03-09</a:t>
             </a:fld>
             <a:endParaRPr lang="ko-KR" altLang="en-US"/>
           </a:p>
@@ -468,7 +468,7 @@
           <a:p>
             <a:fld id="{41288005-3601-4C50-9326-6520DA424365}" type="datetimeFigureOut">
               <a:rPr lang="ko-KR" altLang="en-US" smtClean="0"/>
-              <a:t>2022-03-03</a:t>
+              <a:t>2022-03-09</a:t>
             </a:fld>
             <a:endParaRPr lang="ko-KR" altLang="en-US"/>
           </a:p>
@@ -676,7 +676,7 @@
           <a:p>
             <a:fld id="{41288005-3601-4C50-9326-6520DA424365}" type="datetimeFigureOut">
               <a:rPr lang="ko-KR" altLang="en-US" smtClean="0"/>
-              <a:t>2022-03-03</a:t>
+              <a:t>2022-03-09</a:t>
             </a:fld>
             <a:endParaRPr lang="ko-KR" altLang="en-US"/>
           </a:p>
@@ -874,7 +874,7 @@
           <a:p>
             <a:fld id="{41288005-3601-4C50-9326-6520DA424365}" type="datetimeFigureOut">
               <a:rPr lang="ko-KR" altLang="en-US" smtClean="0"/>
-              <a:t>2022-03-03</a:t>
+              <a:t>2022-03-09</a:t>
             </a:fld>
             <a:endParaRPr lang="ko-KR" altLang="en-US"/>
           </a:p>
@@ -1149,7 +1149,7 @@
           <a:p>
             <a:fld id="{41288005-3601-4C50-9326-6520DA424365}" type="datetimeFigureOut">
               <a:rPr lang="ko-KR" altLang="en-US" smtClean="0"/>
-              <a:t>2022-03-03</a:t>
+              <a:t>2022-03-09</a:t>
             </a:fld>
             <a:endParaRPr lang="ko-KR" altLang="en-US"/>
           </a:p>
@@ -1414,7 +1414,7 @@
           <a:p>
             <a:fld id="{41288005-3601-4C50-9326-6520DA424365}" type="datetimeFigureOut">
               <a:rPr lang="ko-KR" altLang="en-US" smtClean="0"/>
-              <a:t>2022-03-03</a:t>
+              <a:t>2022-03-09</a:t>
             </a:fld>
             <a:endParaRPr lang="ko-KR" altLang="en-US"/>
           </a:p>
@@ -1826,7 +1826,7 @@
           <a:p>
             <a:fld id="{41288005-3601-4C50-9326-6520DA424365}" type="datetimeFigureOut">
               <a:rPr lang="ko-KR" altLang="en-US" smtClean="0"/>
-              <a:t>2022-03-03</a:t>
+              <a:t>2022-03-09</a:t>
             </a:fld>
             <a:endParaRPr lang="ko-KR" altLang="en-US"/>
           </a:p>
@@ -1967,7 +1967,7 @@
           <a:p>
             <a:fld id="{41288005-3601-4C50-9326-6520DA424365}" type="datetimeFigureOut">
               <a:rPr lang="ko-KR" altLang="en-US" smtClean="0"/>
-              <a:t>2022-03-03</a:t>
+              <a:t>2022-03-09</a:t>
             </a:fld>
             <a:endParaRPr lang="ko-KR" altLang="en-US"/>
           </a:p>
@@ -2080,7 +2080,7 @@
           <a:p>
             <a:fld id="{41288005-3601-4C50-9326-6520DA424365}" type="datetimeFigureOut">
               <a:rPr lang="ko-KR" altLang="en-US" smtClean="0"/>
-              <a:t>2022-03-03</a:t>
+              <a:t>2022-03-09</a:t>
             </a:fld>
             <a:endParaRPr lang="ko-KR" altLang="en-US"/>
           </a:p>
@@ -2391,7 +2391,7 @@
           <a:p>
             <a:fld id="{41288005-3601-4C50-9326-6520DA424365}" type="datetimeFigureOut">
               <a:rPr lang="ko-KR" altLang="en-US" smtClean="0"/>
-              <a:t>2022-03-03</a:t>
+              <a:t>2022-03-09</a:t>
             </a:fld>
             <a:endParaRPr lang="ko-KR" altLang="en-US"/>
           </a:p>
@@ -2679,7 +2679,7 @@
           <a:p>
             <a:fld id="{41288005-3601-4C50-9326-6520DA424365}" type="datetimeFigureOut">
               <a:rPr lang="ko-KR" altLang="en-US" smtClean="0"/>
-              <a:t>2022-03-03</a:t>
+              <a:t>2022-03-09</a:t>
             </a:fld>
             <a:endParaRPr lang="ko-KR" altLang="en-US"/>
           </a:p>
@@ -2920,7 +2920,7 @@
           <a:p>
             <a:fld id="{41288005-3601-4C50-9326-6520DA424365}" type="datetimeFigureOut">
               <a:rPr lang="ko-KR" altLang="en-US" smtClean="0"/>
-              <a:t>2022-03-03</a:t>
+              <a:t>2022-03-09</a:t>
             </a:fld>
             <a:endParaRPr lang="ko-KR" altLang="en-US"/>
           </a:p>
@@ -6125,10 +6125,10 @@
       </p:grpSpPr>
       <p:pic>
         <p:nvPicPr>
-          <p:cNvPr id="8" name="그림 7">
-            <a:extLst>
-              <a:ext uri="{FF2B5EF4-FFF2-40B4-BE49-F238E27FC236}">
-                <a16:creationId xmlns:a16="http://schemas.microsoft.com/office/drawing/2014/main" id="{2EB2DCB5-8A4B-4534-A645-5386E014CDBD}"/>
+          <p:cNvPr id="3" name="그림 2">
+            <a:extLst>
+              <a:ext uri="{FF2B5EF4-FFF2-40B4-BE49-F238E27FC236}">
+                <a16:creationId xmlns:a16="http://schemas.microsoft.com/office/drawing/2014/main" id="{5A8C050F-97FA-4ECB-85D6-F6BAE40ECD1B}"/>
               </a:ext>
             </a:extLst>
           </p:cNvPr>
@@ -6145,38 +6145,8 @@
         </p:blipFill>
         <p:spPr>
           <a:xfrm>
-            <a:off x="529314" y="817680"/>
-            <a:ext cx="5566686" cy="5433646"/>
-          </a:xfrm>
-          <a:prstGeom prst="rect">
-            <a:avLst/>
-          </a:prstGeom>
-        </p:spPr>
-      </p:pic>
-      <p:pic>
-        <p:nvPicPr>
-          <p:cNvPr id="7" name="그림 6">
-            <a:extLst>
-              <a:ext uri="{FF2B5EF4-FFF2-40B4-BE49-F238E27FC236}">
-                <a16:creationId xmlns:a16="http://schemas.microsoft.com/office/drawing/2014/main" id="{FFE48882-FE72-45DD-B9CD-38823668C528}"/>
-              </a:ext>
-            </a:extLst>
-          </p:cNvPr>
-          <p:cNvPicPr>
-            <a:picLocks noChangeAspect="1"/>
-          </p:cNvPicPr>
-          <p:nvPr/>
-        </p:nvPicPr>
-        <p:blipFill>
-          <a:blip r:embed="rId3"/>
-          <a:stretch>
-            <a:fillRect/>
-          </a:stretch>
-        </p:blipFill>
-        <p:spPr>
-          <a:xfrm>
-            <a:off x="2064535" y="1589647"/>
-            <a:ext cx="8635518" cy="2243794"/>
+            <a:off x="4211515" y="131426"/>
+            <a:ext cx="7578969" cy="6595148"/>
           </a:xfrm>
           <a:prstGeom prst="rect">
             <a:avLst/>
@@ -6222,20 +6192,7 @@
                 <a:ea typeface="함초롬돋움" panose="020B0604000101010101" pitchFamily="50" charset="-127"/>
                 <a:cs typeface="함초롬돋움" panose="020B0604000101010101" pitchFamily="50" charset="-127"/>
               </a:rPr>
-              <a:t>CLASSPATH </a:t>
-            </a:r>
-            <a:r>
-              <a:rPr lang="ko-KR" altLang="en-US" sz="2400" dirty="0" err="1">
-                <a:solidFill>
-                  <a:schemeClr val="accent6">
-                    <a:lumMod val="75000"/>
-                  </a:schemeClr>
-                </a:solidFill>
-                <a:latin typeface="함초롬돋움" panose="020B0604000101010101" pitchFamily="50" charset="-127"/>
-                <a:ea typeface="함초롬돋움" panose="020B0604000101010101" pitchFamily="50" charset="-127"/>
-                <a:cs typeface="함초롬돋움" panose="020B0604000101010101" pitchFamily="50" charset="-127"/>
-              </a:rPr>
-              <a:t>새로만들기</a:t>
+              <a:t>Path </a:t>
             </a:r>
             <a:r>
               <a:rPr lang="ko-KR" altLang="en-US" sz="2400" dirty="0">
@@ -6248,17 +6205,17 @@
                 <a:ea typeface="함초롬돋움" panose="020B0604000101010101" pitchFamily="50" charset="-127"/>
                 <a:cs typeface="함초롬돋움" panose="020B0604000101010101" pitchFamily="50" charset="-127"/>
               </a:rPr>
-              <a:t> 또는 편집</a:t>
-            </a:r>
-          </a:p>
-        </p:txBody>
-      </p:sp>
-      <p:sp>
-        <p:nvSpPr>
-          <p:cNvPr id="10" name="사각형: 둥근 모서리 9">
-            <a:extLst>
-              <a:ext uri="{FF2B5EF4-FFF2-40B4-BE49-F238E27FC236}">
-                <a16:creationId xmlns:a16="http://schemas.microsoft.com/office/drawing/2014/main" id="{76327268-DC02-4593-8546-BA4FC1999A94}"/>
+              <a:t>추가 및 편집</a:t>
+            </a:r>
+          </a:p>
+        </p:txBody>
+      </p:sp>
+      <p:sp>
+        <p:nvSpPr>
+          <p:cNvPr id="11" name="사각형: 둥근 모서리 10">
+            <a:extLst>
+              <a:ext uri="{FF2B5EF4-FFF2-40B4-BE49-F238E27FC236}">
+                <a16:creationId xmlns:a16="http://schemas.microsoft.com/office/drawing/2014/main" id="{5E16F0E6-F0C6-4A90-B14A-7CC824B4517B}"/>
               </a:ext>
             </a:extLst>
           </p:cNvPr>
@@ -6267,8 +6224,8 @@
         </p:nvSpPr>
         <p:spPr>
           <a:xfrm>
-            <a:off x="1204545" y="4420449"/>
-            <a:ext cx="1479103" cy="386862"/>
+            <a:off x="9390183" y="5671040"/>
+            <a:ext cx="1143001" cy="463618"/>
           </a:xfrm>
           <a:prstGeom prst="roundRect">
             <a:avLst/>
@@ -6307,10 +6264,10 @@
       </p:sp>
       <p:sp>
         <p:nvSpPr>
-          <p:cNvPr id="11" name="사각형: 둥근 모서리 10">
-            <a:extLst>
-              <a:ext uri="{FF2B5EF4-FFF2-40B4-BE49-F238E27FC236}">
-                <a16:creationId xmlns:a16="http://schemas.microsoft.com/office/drawing/2014/main" id="{5E16F0E6-F0C6-4A90-B14A-7CC824B4517B}"/>
+          <p:cNvPr id="12" name="사각형: 둥근 모서리 11">
+            <a:extLst>
+              <a:ext uri="{FF2B5EF4-FFF2-40B4-BE49-F238E27FC236}">
+                <a16:creationId xmlns:a16="http://schemas.microsoft.com/office/drawing/2014/main" id="{A3614738-F34A-4A08-A0EE-B646556AE514}"/>
               </a:ext>
             </a:extLst>
           </p:cNvPr>
@@ -6319,13 +6276,17 @@
         </p:nvSpPr>
         <p:spPr>
           <a:xfrm>
-            <a:off x="8009794" y="3217987"/>
-            <a:ext cx="1389184" cy="492370"/>
+            <a:off x="5638799" y="3900853"/>
+            <a:ext cx="3417277" cy="378072"/>
           </a:xfrm>
           <a:prstGeom prst="roundRect">
             <a:avLst/>
           </a:prstGeom>
-          <a:noFill/>
+          <a:solidFill>
+            <a:srgbClr val="FF0000">
+              <a:alpha val="20000"/>
+            </a:srgbClr>
+          </a:solidFill>
           <a:ln w="38100">
             <a:solidFill>
               <a:srgbClr val="FF0000"/>
@@ -6359,10 +6320,10 @@
       </p:sp>
       <p:sp>
         <p:nvSpPr>
-          <p:cNvPr id="12" name="사각형: 둥근 모서리 11">
-            <a:extLst>
-              <a:ext uri="{FF2B5EF4-FFF2-40B4-BE49-F238E27FC236}">
-                <a16:creationId xmlns:a16="http://schemas.microsoft.com/office/drawing/2014/main" id="{A3614738-F34A-4A08-A0EE-B646556AE514}"/>
+          <p:cNvPr id="13" name="사각형: 둥근 모서리 12">
+            <a:extLst>
+              <a:ext uri="{FF2B5EF4-FFF2-40B4-BE49-F238E27FC236}">
+                <a16:creationId xmlns:a16="http://schemas.microsoft.com/office/drawing/2014/main" id="{769B91BA-14F0-460F-B362-66D19B7AF1C3}"/>
               </a:ext>
             </a:extLst>
           </p:cNvPr>
@@ -6371,8 +6332,8 @@
         </p:nvSpPr>
         <p:spPr>
           <a:xfrm>
-            <a:off x="3722076" y="2180092"/>
-            <a:ext cx="3206261" cy="1037895"/>
+            <a:off x="4489939" y="3593990"/>
+            <a:ext cx="759070" cy="284287"/>
           </a:xfrm>
           <a:prstGeom prst="roundRect">
             <a:avLst/>
